--- a/设计模式解析/PPT/4.Strategy模式.pptx
+++ b/设计模式解析/PPT/4.Strategy模式.pptx
@@ -12,6 +12,12 @@
     <p:sldId id="260" r:id="rId6"/>
     <p:sldId id="261" r:id="rId7"/>
     <p:sldId id="262" r:id="rId8"/>
+    <p:sldId id="263" r:id="rId9"/>
+    <p:sldId id="264" r:id="rId10"/>
+    <p:sldId id="265" r:id="rId11"/>
+    <p:sldId id="266" r:id="rId12"/>
+    <p:sldId id="267" r:id="rId13"/>
+    <p:sldId id="268" r:id="rId14"/>
   </p:sldIdLst>
   <p:sldSz cx="9144000" cy="6858000" type="screen4x3"/>
   <p:notesSz cx="6858000" cy="9144000"/>
@@ -251,7 +257,7 @@
             <a:fld id="{530820CF-B880-4189-942D-D702A7CBA730}" type="datetimeFigureOut">
               <a:rPr lang="zh-CN" altLang="en-US" smtClean="0"/>
               <a:pPr/>
-              <a:t>2016-12-7</a:t>
+              <a:t>2016-12-8</a:t>
             </a:fld>
             <a:endParaRPr lang="zh-CN" altLang="en-US"/>
           </a:p>
@@ -1122,7 +1128,7 @@
             <a:fld id="{530820CF-B880-4189-942D-D702A7CBA730}" type="datetimeFigureOut">
               <a:rPr lang="zh-CN" altLang="en-US" smtClean="0"/>
               <a:pPr/>
-              <a:t>2016-12-7</a:t>
+              <a:t>2016-12-8</a:t>
             </a:fld>
             <a:endParaRPr lang="zh-CN" altLang="en-US"/>
           </a:p>
@@ -1299,7 +1305,7 @@
             <a:fld id="{530820CF-B880-4189-942D-D702A7CBA730}" type="datetimeFigureOut">
               <a:rPr lang="zh-CN" altLang="en-US" smtClean="0"/>
               <a:pPr/>
-              <a:t>2016-12-7</a:t>
+              <a:t>2016-12-8</a:t>
             </a:fld>
             <a:endParaRPr lang="zh-CN" altLang="en-US"/>
           </a:p>
@@ -1471,7 +1477,7 @@
             <a:fld id="{530820CF-B880-4189-942D-D702A7CBA730}" type="datetimeFigureOut">
               <a:rPr lang="zh-CN" altLang="en-US" smtClean="0"/>
               <a:pPr/>
-              <a:t>2016-12-7</a:t>
+              <a:t>2016-12-8</a:t>
             </a:fld>
             <a:endParaRPr lang="zh-CN" altLang="en-US"/>
           </a:p>
@@ -1683,7 +1689,7 @@
             <a:fld id="{530820CF-B880-4189-942D-D702A7CBA730}" type="datetimeFigureOut">
               <a:rPr lang="zh-CN" altLang="en-US" smtClean="0"/>
               <a:pPr/>
-              <a:t>2016-12-7</a:t>
+              <a:t>2016-12-8</a:t>
             </a:fld>
             <a:endParaRPr lang="zh-CN" altLang="en-US"/>
           </a:p>
@@ -2499,7 +2505,7 @@
             <a:fld id="{530820CF-B880-4189-942D-D702A7CBA730}" type="datetimeFigureOut">
               <a:rPr lang="zh-CN" altLang="en-US" smtClean="0"/>
               <a:pPr/>
-              <a:t>2016-12-7</a:t>
+              <a:t>2016-12-8</a:t>
             </a:fld>
             <a:endParaRPr lang="zh-CN" altLang="en-US"/>
           </a:p>
@@ -2737,7 +2743,7 @@
             <a:fld id="{530820CF-B880-4189-942D-D702A7CBA730}" type="datetimeFigureOut">
               <a:rPr lang="zh-CN" altLang="en-US" smtClean="0"/>
               <a:pPr/>
-              <a:t>2016-12-7</a:t>
+              <a:t>2016-12-8</a:t>
             </a:fld>
             <a:endParaRPr lang="zh-CN" altLang="en-US"/>
           </a:p>
@@ -3062,7 +3068,7 @@
             <a:fld id="{530820CF-B880-4189-942D-D702A7CBA730}" type="datetimeFigureOut">
               <a:rPr lang="zh-CN" altLang="en-US" smtClean="0"/>
               <a:pPr/>
-              <a:t>2016-12-7</a:t>
+              <a:t>2016-12-8</a:t>
             </a:fld>
             <a:endParaRPr lang="zh-CN" altLang="en-US"/>
           </a:p>
@@ -3154,7 +3160,7 @@
             <a:fld id="{530820CF-B880-4189-942D-D702A7CBA730}" type="datetimeFigureOut">
               <a:rPr lang="zh-CN" altLang="en-US" smtClean="0"/>
               <a:pPr/>
-              <a:t>2016-12-7</a:t>
+              <a:t>2016-12-8</a:t>
             </a:fld>
             <a:endParaRPr lang="zh-CN" altLang="en-US"/>
           </a:p>
@@ -3673,7 +3679,7 @@
             <a:fld id="{530820CF-B880-4189-942D-D702A7CBA730}" type="datetimeFigureOut">
               <a:rPr lang="zh-CN" altLang="en-US" smtClean="0"/>
               <a:pPr/>
-              <a:t>2016-12-7</a:t>
+              <a:t>2016-12-8</a:t>
             </a:fld>
             <a:endParaRPr lang="zh-CN" altLang="en-US"/>
           </a:p>
@@ -4186,7 +4192,7 @@
             <a:fld id="{530820CF-B880-4189-942D-D702A7CBA730}" type="datetimeFigureOut">
               <a:rPr lang="zh-CN" altLang="en-US" smtClean="0"/>
               <a:pPr/>
-              <a:t>2016-12-7</a:t>
+              <a:t>2016-12-8</a:t>
             </a:fld>
             <a:endParaRPr lang="zh-CN" altLang="en-US"/>
           </a:p>
@@ -4433,7 +4439,7 @@
             <a:fld id="{530820CF-B880-4189-942D-D702A7CBA730}" type="datetimeFigureOut">
               <a:rPr lang="zh-CN" altLang="en-US" smtClean="0"/>
               <a:pPr/>
-              <a:t>2016-12-7</a:t>
+              <a:t>2016-12-8</a:t>
             </a:fld>
             <a:endParaRPr lang="zh-CN" altLang="en-US"/>
           </a:p>
@@ -5113,6 +5119,370 @@
 </p:sld>
 </file>
 
+<file path=ppt/slides/slide10.xml><?xml version="1.0" encoding="utf-8"?>
+<p:sld xmlns:a="http://schemas.openxmlformats.org/drawingml/2006/main" xmlns:r="http://schemas.openxmlformats.org/officeDocument/2006/relationships" xmlns:p="http://schemas.openxmlformats.org/presentationml/2006/main">
+  <p:cSld>
+    <p:spTree>
+      <p:nvGrpSpPr>
+        <p:cNvPr id="1" name=""/>
+        <p:cNvGrpSpPr/>
+        <p:nvPr/>
+      </p:nvGrpSpPr>
+      <p:grpSpPr>
+        <a:xfrm>
+          <a:off x="0" y="0"/>
+          <a:ext cx="0" cy="0"/>
+          <a:chOff x="0" y="0"/>
+          <a:chExt cx="0" cy="0"/>
+        </a:xfrm>
+      </p:grpSpPr>
+      <p:sp>
+        <p:nvSpPr>
+          <p:cNvPr id="2" name="标题 1"/>
+          <p:cNvSpPr>
+            <a:spLocks noGrp="1"/>
+          </p:cNvSpPr>
+          <p:nvPr>
+            <p:ph type="title"/>
+          </p:nvPr>
+        </p:nvSpPr>
+        <p:spPr/>
+        <p:txBody>
+          <a:bodyPr/>
+          <a:lstStyle/>
+          <a:p>
+            <a:r>
+              <a:rPr lang="zh-CN" altLang="en-US" dirty="0" smtClean="0"/>
+              <a:t>继承可以使用，但是要有限制</a:t>
+            </a:r>
+            <a:endParaRPr lang="zh-CN" altLang="en-US" dirty="0"/>
+          </a:p>
+        </p:txBody>
+      </p:sp>
+      <p:sp>
+        <p:nvSpPr>
+          <p:cNvPr id="3" name="内容占位符 2"/>
+          <p:cNvSpPr>
+            <a:spLocks noGrp="1"/>
+          </p:cNvSpPr>
+          <p:nvPr>
+            <p:ph sz="quarter" idx="1"/>
+          </p:nvPr>
+        </p:nvSpPr>
+        <p:spPr/>
+        <p:txBody>
+          <a:bodyPr/>
+          <a:lstStyle/>
+          <a:p>
+            <a:r>
+              <a:rPr lang="zh-CN" altLang="en-US" dirty="0" smtClean="0"/>
+              <a:t>继承的层次太深，会让代码难以理解，或者是产生冗余</a:t>
+            </a:r>
+            <a:endParaRPr lang="en-US" altLang="zh-CN" dirty="0" smtClean="0"/>
+          </a:p>
+          <a:p>
+            <a:r>
+              <a:rPr lang="zh-CN" altLang="en-US" dirty="0" smtClean="0"/>
+              <a:t>继承自然发展容易出现巨型继承</a:t>
+            </a:r>
+            <a:endParaRPr lang="zh-CN" altLang="en-US" dirty="0"/>
+          </a:p>
+        </p:txBody>
+      </p:sp>
+    </p:spTree>
+  </p:cSld>
+  <p:clrMapOvr>
+    <a:masterClrMapping/>
+  </p:clrMapOvr>
+</p:sld>
+</file>
+
+<file path=ppt/slides/slide11.xml><?xml version="1.0" encoding="utf-8"?>
+<p:sld xmlns:a="http://schemas.openxmlformats.org/drawingml/2006/main" xmlns:r="http://schemas.openxmlformats.org/officeDocument/2006/relationships" xmlns:p="http://schemas.openxmlformats.org/presentationml/2006/main">
+  <p:cSld>
+    <p:spTree>
+      <p:nvGrpSpPr>
+        <p:cNvPr id="1" name=""/>
+        <p:cNvGrpSpPr/>
+        <p:nvPr/>
+      </p:nvGrpSpPr>
+      <p:grpSpPr>
+        <a:xfrm>
+          <a:off x="0" y="0"/>
+          <a:ext cx="0" cy="0"/>
+          <a:chOff x="0" y="0"/>
+          <a:chExt cx="0" cy="0"/>
+        </a:xfrm>
+      </p:grpSpPr>
+      <p:sp>
+        <p:nvSpPr>
+          <p:cNvPr id="2" name="标题 1"/>
+          <p:cNvSpPr>
+            <a:spLocks noGrp="1"/>
+          </p:cNvSpPr>
+          <p:nvPr>
+            <p:ph type="title"/>
+          </p:nvPr>
+        </p:nvSpPr>
+        <p:spPr/>
+        <p:txBody>
+          <a:bodyPr/>
+          <a:lstStyle/>
+          <a:p>
+            <a:r>
+              <a:rPr lang="en-US" altLang="zh-CN" dirty="0" smtClean="0"/>
+              <a:t>Camera </a:t>
+            </a:r>
+            <a:r>
+              <a:rPr lang="en-US" altLang="zh-CN" dirty="0" err="1" smtClean="0"/>
+              <a:t>Config</a:t>
+            </a:r>
+            <a:endParaRPr lang="zh-CN" altLang="en-US" dirty="0"/>
+          </a:p>
+        </p:txBody>
+      </p:sp>
+      <p:pic>
+        <p:nvPicPr>
+          <p:cNvPr id="4098" name="Picture 2"/>
+          <p:cNvPicPr>
+            <a:picLocks noGrp="1" noChangeAspect="1" noChangeArrowheads="1"/>
+          </p:cNvPicPr>
+          <p:nvPr>
+            <p:ph sz="quarter" idx="1"/>
+          </p:nvPr>
+        </p:nvPicPr>
+        <p:blipFill>
+          <a:blip r:embed="rId2"/>
+          <a:srcRect/>
+          <a:stretch>
+            <a:fillRect/>
+          </a:stretch>
+        </p:blipFill>
+        <p:spPr bwMode="auto">
+          <a:xfrm>
+            <a:off x="71406" y="1571612"/>
+            <a:ext cx="8668907" cy="5286412"/>
+          </a:xfrm>
+          <a:prstGeom prst="rect">
+            <a:avLst/>
+          </a:prstGeom>
+          <a:noFill/>
+          <a:ln w="9525">
+            <a:noFill/>
+            <a:miter lim="800000"/>
+            <a:headEnd/>
+            <a:tailEnd/>
+          </a:ln>
+          <a:effectLst/>
+        </p:spPr>
+      </p:pic>
+    </p:spTree>
+  </p:cSld>
+  <p:clrMapOvr>
+    <a:masterClrMapping/>
+  </p:clrMapOvr>
+  <p:timing>
+    <p:tnLst>
+      <p:par>
+        <p:cTn id="1" dur="indefinite" restart="never" nodeType="tmRoot"/>
+      </p:par>
+    </p:tnLst>
+  </p:timing>
+</p:sld>
+</file>
+
+<file path=ppt/slides/slide12.xml><?xml version="1.0" encoding="utf-8"?>
+<p:sld xmlns:a="http://schemas.openxmlformats.org/drawingml/2006/main" xmlns:r="http://schemas.openxmlformats.org/officeDocument/2006/relationships" xmlns:p="http://schemas.openxmlformats.org/presentationml/2006/main">
+  <p:cSld>
+    <p:spTree>
+      <p:nvGrpSpPr>
+        <p:cNvPr id="1" name=""/>
+        <p:cNvGrpSpPr/>
+        <p:nvPr/>
+      </p:nvGrpSpPr>
+      <p:grpSpPr>
+        <a:xfrm>
+          <a:off x="0" y="0"/>
+          <a:ext cx="0" cy="0"/>
+          <a:chOff x="0" y="0"/>
+          <a:chExt cx="0" cy="0"/>
+        </a:xfrm>
+      </p:grpSpPr>
+      <p:sp>
+        <p:nvSpPr>
+          <p:cNvPr id="2" name="标题 1"/>
+          <p:cNvSpPr>
+            <a:spLocks noGrp="1"/>
+          </p:cNvSpPr>
+          <p:nvPr>
+            <p:ph type="title"/>
+          </p:nvPr>
+        </p:nvSpPr>
+        <p:spPr/>
+        <p:txBody>
+          <a:bodyPr/>
+          <a:lstStyle/>
+          <a:p>
+            <a:r>
+              <a:rPr lang="zh-CN" altLang="en-US" dirty="0" smtClean="0"/>
+              <a:t>封装变化，使用聚集代替继承</a:t>
+            </a:r>
+            <a:endParaRPr lang="zh-CN" altLang="en-US" dirty="0"/>
+          </a:p>
+        </p:txBody>
+      </p:sp>
+      <p:pic>
+        <p:nvPicPr>
+          <p:cNvPr id="5123" name="Picture 3"/>
+          <p:cNvPicPr>
+            <a:picLocks noChangeAspect="1" noChangeArrowheads="1"/>
+          </p:cNvPicPr>
+          <p:nvPr/>
+        </p:nvPicPr>
+        <p:blipFill>
+          <a:blip r:embed="rId2"/>
+          <a:srcRect/>
+          <a:stretch>
+            <a:fillRect/>
+          </a:stretch>
+        </p:blipFill>
+        <p:spPr bwMode="auto">
+          <a:xfrm>
+            <a:off x="714348" y="1500174"/>
+            <a:ext cx="5000660" cy="3233760"/>
+          </a:xfrm>
+          <a:prstGeom prst="rect">
+            <a:avLst/>
+          </a:prstGeom>
+          <a:noFill/>
+          <a:ln w="9525">
+            <a:noFill/>
+            <a:miter lim="800000"/>
+            <a:headEnd/>
+            <a:tailEnd/>
+          </a:ln>
+          <a:effectLst/>
+        </p:spPr>
+      </p:pic>
+    </p:spTree>
+  </p:cSld>
+  <p:clrMapOvr>
+    <a:masterClrMapping/>
+  </p:clrMapOvr>
+</p:sld>
+</file>
+
+<file path=ppt/slides/slide13.xml><?xml version="1.0" encoding="utf-8"?>
+<p:sld xmlns:a="http://schemas.openxmlformats.org/drawingml/2006/main" xmlns:r="http://schemas.openxmlformats.org/officeDocument/2006/relationships" xmlns:p="http://schemas.openxmlformats.org/presentationml/2006/main">
+  <p:cSld>
+    <p:spTree>
+      <p:nvGrpSpPr>
+        <p:cNvPr id="1" name=""/>
+        <p:cNvGrpSpPr/>
+        <p:nvPr/>
+      </p:nvGrpSpPr>
+      <p:grpSpPr>
+        <a:xfrm>
+          <a:off x="0" y="0"/>
+          <a:ext cx="0" cy="0"/>
+          <a:chOff x="0" y="0"/>
+          <a:chExt cx="0" cy="0"/>
+        </a:xfrm>
+      </p:grpSpPr>
+      <p:sp>
+        <p:nvSpPr>
+          <p:cNvPr id="2" name="标题 1"/>
+          <p:cNvSpPr>
+            <a:spLocks noGrp="1"/>
+          </p:cNvSpPr>
+          <p:nvPr>
+            <p:ph type="title"/>
+          </p:nvPr>
+        </p:nvSpPr>
+        <p:spPr/>
+        <p:txBody>
+          <a:bodyPr/>
+          <a:lstStyle/>
+          <a:p>
+            <a:r>
+              <a:rPr lang="en-US" altLang="zh-CN" dirty="0" smtClean="0"/>
+              <a:t>Strategy</a:t>
+            </a:r>
+            <a:r>
+              <a:rPr lang="zh-CN" altLang="en-US" dirty="0" smtClean="0"/>
+              <a:t>模式</a:t>
+            </a:r>
+            <a:endParaRPr lang="zh-CN" altLang="en-US" dirty="0"/>
+          </a:p>
+        </p:txBody>
+      </p:sp>
+      <p:sp>
+        <p:nvSpPr>
+          <p:cNvPr id="3" name="内容占位符 2"/>
+          <p:cNvSpPr>
+            <a:spLocks noGrp="1"/>
+          </p:cNvSpPr>
+          <p:nvPr>
+            <p:ph sz="quarter" idx="1"/>
+          </p:nvPr>
+        </p:nvSpPr>
+        <p:spPr/>
+        <p:txBody>
+          <a:bodyPr/>
+          <a:lstStyle/>
+          <a:p>
+            <a:r>
+              <a:rPr lang="zh-CN" altLang="en-US" dirty="0" smtClean="0"/>
+              <a:t>目的：根据所处的上下文，使用不同的业务规则或算法</a:t>
+            </a:r>
+            <a:endParaRPr lang="en-US" altLang="zh-CN" dirty="0" smtClean="0"/>
+          </a:p>
+          <a:p>
+            <a:endParaRPr lang="zh-CN" altLang="en-US" dirty="0"/>
+          </a:p>
+        </p:txBody>
+      </p:sp>
+      <p:pic>
+        <p:nvPicPr>
+          <p:cNvPr id="6146" name="Picture 2"/>
+          <p:cNvPicPr>
+            <a:picLocks noChangeAspect="1" noChangeArrowheads="1"/>
+          </p:cNvPicPr>
+          <p:nvPr/>
+        </p:nvPicPr>
+        <p:blipFill>
+          <a:blip r:embed="rId2"/>
+          <a:srcRect/>
+          <a:stretch>
+            <a:fillRect/>
+          </a:stretch>
+        </p:blipFill>
+        <p:spPr bwMode="auto">
+          <a:xfrm>
+            <a:off x="1857356" y="2786058"/>
+            <a:ext cx="4357718" cy="3153784"/>
+          </a:xfrm>
+          <a:prstGeom prst="rect">
+            <a:avLst/>
+          </a:prstGeom>
+          <a:noFill/>
+          <a:ln w="9525">
+            <a:noFill/>
+            <a:miter lim="800000"/>
+            <a:headEnd/>
+            <a:tailEnd/>
+          </a:ln>
+          <a:effectLst/>
+        </p:spPr>
+      </p:pic>
+    </p:spTree>
+  </p:cSld>
+  <p:clrMapOvr>
+    <a:masterClrMapping/>
+  </p:clrMapOvr>
+</p:sld>
+</file>
+
 <file path=ppt/slides/slide2.xml><?xml version="1.0" encoding="utf-8"?>
 <p:sld xmlns:a="http://schemas.openxmlformats.org/drawingml/2006/main" xmlns:r="http://schemas.openxmlformats.org/officeDocument/2006/relationships" xmlns:p="http://schemas.openxmlformats.org/presentationml/2006/main">
   <p:cSld>
@@ -5252,6 +5622,13 @@
   <p:clrMapOvr>
     <a:masterClrMapping/>
   </p:clrMapOvr>
+  <p:timing>
+    <p:tnLst>
+      <p:par>
+        <p:cTn id="1" dur="indefinite" restart="never" nodeType="tmRoot"/>
+      </p:par>
+    </p:tnLst>
+  </p:timing>
 </p:sld>
 </file>
 
@@ -5337,6 +5714,13 @@
   <p:clrMapOvr>
     <a:masterClrMapping/>
   </p:clrMapOvr>
+  <p:timing>
+    <p:tnLst>
+      <p:par>
+        <p:cTn id="1" dur="indefinite" restart="never" nodeType="tmRoot"/>
+      </p:par>
+    </p:tnLst>
+  </p:timing>
 </p:sld>
 </file>
 
@@ -5747,29 +6131,329 @@
           <a:bodyPr/>
           <a:lstStyle/>
           <a:p>
-            <a:endParaRPr lang="zh-CN" altLang="en-US"/>
-          </a:p>
-        </p:txBody>
-      </p:sp>
-      <p:sp>
-        <p:nvSpPr>
-          <p:cNvPr id="3" name="内容占位符 2"/>
-          <p:cNvSpPr>
-            <a:spLocks noGrp="1"/>
-          </p:cNvSpPr>
+            <a:r>
+              <a:rPr lang="en-US" altLang="zh-CN" dirty="0" smtClean="0"/>
+              <a:t>Switch</a:t>
+            </a:r>
+            <a:r>
+              <a:rPr lang="zh-CN" altLang="en-US" dirty="0" smtClean="0"/>
+              <a:t>加复制粘贴大法</a:t>
+            </a:r>
+            <a:endParaRPr lang="zh-CN" altLang="en-US" dirty="0"/>
+          </a:p>
+        </p:txBody>
+      </p:sp>
+      <p:pic>
+        <p:nvPicPr>
+          <p:cNvPr id="1026" name="Picture 2"/>
+          <p:cNvPicPr>
+            <a:picLocks noGrp="1" noChangeAspect="1" noChangeArrowheads="1"/>
+          </p:cNvPicPr>
           <p:nvPr>
             <p:ph sz="quarter" idx="1"/>
           </p:nvPr>
+        </p:nvPicPr>
+        <p:blipFill>
+          <a:blip r:embed="rId2"/>
+          <a:srcRect/>
+          <a:stretch>
+            <a:fillRect/>
+          </a:stretch>
+        </p:blipFill>
+        <p:spPr bwMode="auto">
+          <a:xfrm>
+            <a:off x="500033" y="1571612"/>
+            <a:ext cx="2477391" cy="2500330"/>
+          </a:xfrm>
+          <a:prstGeom prst="rect">
+            <a:avLst/>
+          </a:prstGeom>
+          <a:noFill/>
+          <a:ln w="9525">
+            <a:noFill/>
+            <a:miter lim="800000"/>
+            <a:headEnd/>
+            <a:tailEnd/>
+          </a:ln>
+          <a:effectLst/>
+        </p:spPr>
+      </p:pic>
+      <p:pic>
+        <p:nvPicPr>
+          <p:cNvPr id="1027" name="Picture 3"/>
+          <p:cNvPicPr>
+            <a:picLocks noChangeAspect="1" noChangeArrowheads="1"/>
+          </p:cNvPicPr>
+          <p:nvPr/>
+        </p:nvPicPr>
+        <p:blipFill>
+          <a:blip r:embed="rId3"/>
+          <a:srcRect/>
+          <a:stretch>
+            <a:fillRect/>
+          </a:stretch>
+        </p:blipFill>
+        <p:spPr bwMode="auto">
+          <a:xfrm>
+            <a:off x="3071802" y="1571612"/>
+            <a:ext cx="2928958" cy="2500330"/>
+          </a:xfrm>
+          <a:prstGeom prst="rect">
+            <a:avLst/>
+          </a:prstGeom>
+          <a:noFill/>
+          <a:ln w="9525">
+            <a:noFill/>
+            <a:miter lim="800000"/>
+            <a:headEnd/>
+            <a:tailEnd/>
+          </a:ln>
+          <a:effectLst/>
+        </p:spPr>
+      </p:pic>
+      <p:pic>
+        <p:nvPicPr>
+          <p:cNvPr id="1028" name="Picture 4"/>
+          <p:cNvPicPr>
+            <a:picLocks noChangeAspect="1" noChangeArrowheads="1"/>
+          </p:cNvPicPr>
+          <p:nvPr/>
+        </p:nvPicPr>
+        <p:blipFill>
+          <a:blip r:embed="rId4"/>
+          <a:srcRect/>
+          <a:stretch>
+            <a:fillRect/>
+          </a:stretch>
+        </p:blipFill>
+        <p:spPr bwMode="auto">
+          <a:xfrm>
+            <a:off x="500034" y="4214818"/>
+            <a:ext cx="2357454" cy="2304596"/>
+          </a:xfrm>
+          <a:prstGeom prst="rect">
+            <a:avLst/>
+          </a:prstGeom>
+          <a:noFill/>
+          <a:ln w="9525">
+            <a:noFill/>
+            <a:miter lim="800000"/>
+            <a:headEnd/>
+            <a:tailEnd/>
+          </a:ln>
+          <a:effectLst/>
+        </p:spPr>
+      </p:pic>
+      <p:sp>
+        <p:nvSpPr>
+          <p:cNvPr id="7" name="椭圆形标注 6"/>
+          <p:cNvSpPr/>
+          <p:nvPr/>
+        </p:nvSpPr>
+        <p:spPr>
+          <a:xfrm>
+            <a:off x="3500430" y="4500570"/>
+            <a:ext cx="2500330" cy="1428760"/>
+          </a:xfrm>
+          <a:prstGeom prst="wedgeEllipseCallout">
+            <a:avLst/>
+          </a:prstGeom>
+        </p:spPr>
+        <p:style>
+          <a:lnRef idx="2">
+            <a:schemeClr val="accent1">
+              <a:shade val="50000"/>
+            </a:schemeClr>
+          </a:lnRef>
+          <a:fillRef idx="1">
+            <a:schemeClr val="accent1"/>
+          </a:fillRef>
+          <a:effectRef idx="0">
+            <a:schemeClr val="accent1"/>
+          </a:effectRef>
+          <a:fontRef idx="minor">
+            <a:schemeClr val="lt1"/>
+          </a:fontRef>
+        </p:style>
+        <p:txBody>
+          <a:bodyPr rtlCol="0" anchor="ctr"/>
+          <a:lstStyle/>
+          <a:p>
+            <a:pPr algn="ctr"/>
+            <a:r>
+              <a:rPr lang="zh-CN" altLang="en-US" dirty="0" smtClean="0"/>
+              <a:t>如果增加到十个国家该如何？</a:t>
+            </a:r>
+            <a:endParaRPr lang="zh-CN" altLang="en-US" dirty="0"/>
+          </a:p>
+        </p:txBody>
+      </p:sp>
+    </p:spTree>
+  </p:cSld>
+  <p:clrMapOvr>
+    <a:masterClrMapping/>
+  </p:clrMapOvr>
+</p:sld>
+</file>
+
+<file path=ppt/slides/slide8.xml><?xml version="1.0" encoding="utf-8"?>
+<p:sld xmlns:a="http://schemas.openxmlformats.org/drawingml/2006/main" xmlns:r="http://schemas.openxmlformats.org/officeDocument/2006/relationships" xmlns:p="http://schemas.openxmlformats.org/presentationml/2006/main">
+  <p:cSld>
+    <p:spTree>
+      <p:nvGrpSpPr>
+        <p:cNvPr id="1" name=""/>
+        <p:cNvGrpSpPr/>
+        <p:nvPr/>
+      </p:nvGrpSpPr>
+      <p:grpSpPr>
+        <a:xfrm>
+          <a:off x="0" y="0"/>
+          <a:ext cx="0" cy="0"/>
+          <a:chOff x="0" y="0"/>
+          <a:chExt cx="0" cy="0"/>
+        </a:xfrm>
+      </p:grpSpPr>
+      <p:sp>
+        <p:nvSpPr>
+          <p:cNvPr id="2" name="标题 1"/>
+          <p:cNvSpPr>
+            <a:spLocks noGrp="1"/>
+          </p:cNvSpPr>
+          <p:nvPr>
+            <p:ph type="title"/>
+          </p:nvPr>
         </p:nvSpPr>
         <p:spPr/>
         <p:txBody>
           <a:bodyPr/>
           <a:lstStyle/>
           <a:p>
-            <a:endParaRPr lang="zh-CN" altLang="en-US"/>
-          </a:p>
-        </p:txBody>
-      </p:sp>
+            <a:r>
+              <a:rPr lang="zh-CN" altLang="en-US" dirty="0" smtClean="0"/>
+              <a:t>分支蔓延</a:t>
+            </a:r>
+            <a:endParaRPr lang="zh-CN" altLang="en-US" dirty="0"/>
+          </a:p>
+        </p:txBody>
+      </p:sp>
+      <p:pic>
+        <p:nvPicPr>
+          <p:cNvPr id="2050" name="Picture 2"/>
+          <p:cNvPicPr>
+            <a:picLocks noGrp="1" noChangeAspect="1" noChangeArrowheads="1"/>
+          </p:cNvPicPr>
+          <p:nvPr>
+            <p:ph sz="quarter" idx="1"/>
+          </p:nvPr>
+        </p:nvPicPr>
+        <p:blipFill>
+          <a:blip r:embed="rId2"/>
+          <a:srcRect/>
+          <a:stretch>
+            <a:fillRect/>
+          </a:stretch>
+        </p:blipFill>
+        <p:spPr bwMode="auto">
+          <a:xfrm>
+            <a:off x="642910" y="1571611"/>
+            <a:ext cx="3500462" cy="4457731"/>
+          </a:xfrm>
+          <a:prstGeom prst="rect">
+            <a:avLst/>
+          </a:prstGeom>
+          <a:noFill/>
+          <a:ln w="9525">
+            <a:noFill/>
+            <a:miter lim="800000"/>
+            <a:headEnd/>
+            <a:tailEnd/>
+          </a:ln>
+          <a:effectLst/>
+        </p:spPr>
+      </p:pic>
+    </p:spTree>
+  </p:cSld>
+  <p:clrMapOvr>
+    <a:masterClrMapping/>
+  </p:clrMapOvr>
+</p:sld>
+</file>
+
+<file path=ppt/slides/slide9.xml><?xml version="1.0" encoding="utf-8"?>
+<p:sld xmlns:a="http://schemas.openxmlformats.org/drawingml/2006/main" xmlns:r="http://schemas.openxmlformats.org/officeDocument/2006/relationships" xmlns:p="http://schemas.openxmlformats.org/presentationml/2006/main">
+  <p:cSld>
+    <p:spTree>
+      <p:nvGrpSpPr>
+        <p:cNvPr id="1" name=""/>
+        <p:cNvGrpSpPr/>
+        <p:nvPr/>
+      </p:nvGrpSpPr>
+      <p:grpSpPr>
+        <a:xfrm>
+          <a:off x="0" y="0"/>
+          <a:ext cx="0" cy="0"/>
+          <a:chOff x="0" y="0"/>
+          <a:chExt cx="0" cy="0"/>
+        </a:xfrm>
+      </p:grpSpPr>
+      <p:sp>
+        <p:nvSpPr>
+          <p:cNvPr id="2" name="标题 1"/>
+          <p:cNvSpPr>
+            <a:spLocks noGrp="1"/>
+          </p:cNvSpPr>
+          <p:nvPr>
+            <p:ph type="title"/>
+          </p:nvPr>
+        </p:nvSpPr>
+        <p:spPr/>
+        <p:txBody>
+          <a:bodyPr/>
+          <a:lstStyle/>
+          <a:p>
+            <a:r>
+              <a:rPr lang="zh-CN" altLang="en-US" dirty="0" smtClean="0"/>
+              <a:t>继承的方案</a:t>
+            </a:r>
+            <a:endParaRPr lang="zh-CN" altLang="en-US" dirty="0"/>
+          </a:p>
+        </p:txBody>
+      </p:sp>
+      <p:pic>
+        <p:nvPicPr>
+          <p:cNvPr id="3074" name="Picture 2"/>
+          <p:cNvPicPr>
+            <a:picLocks noGrp="1" noChangeAspect="1" noChangeArrowheads="1"/>
+          </p:cNvPicPr>
+          <p:nvPr>
+            <p:ph sz="quarter" idx="1"/>
+          </p:nvPr>
+        </p:nvPicPr>
+        <p:blipFill>
+          <a:blip r:embed="rId2"/>
+          <a:srcRect/>
+          <a:stretch>
+            <a:fillRect/>
+          </a:stretch>
+        </p:blipFill>
+        <p:spPr bwMode="auto">
+          <a:xfrm>
+            <a:off x="1000101" y="1857364"/>
+            <a:ext cx="6500858" cy="3542134"/>
+          </a:xfrm>
+          <a:prstGeom prst="rect">
+            <a:avLst/>
+          </a:prstGeom>
+          <a:noFill/>
+          <a:ln w="9525">
+            <a:noFill/>
+            <a:miter lim="800000"/>
+            <a:headEnd/>
+            <a:tailEnd/>
+          </a:ln>
+          <a:effectLst/>
+        </p:spPr>
+      </p:pic>
     </p:spTree>
   </p:cSld>
   <p:clrMapOvr>
